--- a/モンスト(仮)仕様書.pptx
+++ b/モンスト(仮)仕様書.pptx
@@ -11,9 +11,10 @@
     <p:sldId id="259" r:id="rId5"/>
     <p:sldId id="260" r:id="rId6"/>
     <p:sldId id="261" r:id="rId7"/>
-    <p:sldId id="262" r:id="rId8"/>
-    <p:sldId id="263" r:id="rId9"/>
-    <p:sldId id="264" r:id="rId10"/>
+    <p:sldId id="263" r:id="rId8"/>
+    <p:sldId id="265" r:id="rId9"/>
+    <p:sldId id="262" r:id="rId10"/>
+    <p:sldId id="264" r:id="rId11"/>
   </p:sldIdLst>
   <p:sldSz cx="12192000" cy="6858000"/>
   <p:notesSz cx="6858000" cy="9144000"/>
@@ -112,6 +113,11 @@
       </a:defRPr>
     </a:lvl9pPr>
   </p:defaultTextStyle>
+  <p:extLst>
+    <p:ext uri="{EFAFB233-063F-42B5-8137-9DF3F51BA10A}">
+      <p15:sldGuideLst xmlns:p15="http://schemas.microsoft.com/office/powerpoint/2012/main"/>
+    </p:ext>
+  </p:extLst>
 </p:presentation>
 </file>
 
@@ -246,7 +252,7 @@
           <a:p>
             <a:fld id="{C38B53D7-36BE-4F17-AFB3-4B1CD02DBC2A}" type="datetimeFigureOut">
               <a:rPr kumimoji="1" lang="ja-JP" altLang="en-US" smtClean="0"/>
-              <a:t>2022/9/26</a:t>
+              <a:t>2022/10/3</a:t>
             </a:fld>
             <a:endParaRPr kumimoji="1" lang="ja-JP" altLang="en-US"/>
           </a:p>
@@ -448,7 +454,7 @@
           <a:p>
             <a:fld id="{C38B53D7-36BE-4F17-AFB3-4B1CD02DBC2A}" type="datetimeFigureOut">
               <a:rPr kumimoji="1" lang="ja-JP" altLang="en-US" smtClean="0"/>
-              <a:t>2022/9/26</a:t>
+              <a:t>2022/10/3</a:t>
             </a:fld>
             <a:endParaRPr kumimoji="1" lang="ja-JP" altLang="en-US"/>
           </a:p>
@@ -660,7 +666,7 @@
           <a:p>
             <a:fld id="{C38B53D7-36BE-4F17-AFB3-4B1CD02DBC2A}" type="datetimeFigureOut">
               <a:rPr kumimoji="1" lang="ja-JP" altLang="en-US" smtClean="0"/>
-              <a:t>2022/9/26</a:t>
+              <a:t>2022/10/3</a:t>
             </a:fld>
             <a:endParaRPr kumimoji="1" lang="ja-JP" altLang="en-US"/>
           </a:p>
@@ -862,7 +868,7 @@
           <a:p>
             <a:fld id="{C38B53D7-36BE-4F17-AFB3-4B1CD02DBC2A}" type="datetimeFigureOut">
               <a:rPr kumimoji="1" lang="ja-JP" altLang="en-US" smtClean="0"/>
-              <a:t>2022/9/26</a:t>
+              <a:t>2022/10/3</a:t>
             </a:fld>
             <a:endParaRPr kumimoji="1" lang="ja-JP" altLang="en-US"/>
           </a:p>
@@ -1108,7 +1114,7 @@
           <a:p>
             <a:fld id="{C38B53D7-36BE-4F17-AFB3-4B1CD02DBC2A}" type="datetimeFigureOut">
               <a:rPr kumimoji="1" lang="ja-JP" altLang="en-US" smtClean="0"/>
-              <a:t>2022/9/26</a:t>
+              <a:t>2022/10/3</a:t>
             </a:fld>
             <a:endParaRPr kumimoji="1" lang="ja-JP" altLang="en-US"/>
           </a:p>
@@ -1404,7 +1410,7 @@
           <a:p>
             <a:fld id="{C38B53D7-36BE-4F17-AFB3-4B1CD02DBC2A}" type="datetimeFigureOut">
               <a:rPr kumimoji="1" lang="ja-JP" altLang="en-US" smtClean="0"/>
-              <a:t>2022/9/26</a:t>
+              <a:t>2022/10/3</a:t>
             </a:fld>
             <a:endParaRPr kumimoji="1" lang="ja-JP" altLang="en-US"/>
           </a:p>
@@ -1835,7 +1841,7 @@
           <a:p>
             <a:fld id="{C38B53D7-36BE-4F17-AFB3-4B1CD02DBC2A}" type="datetimeFigureOut">
               <a:rPr kumimoji="1" lang="ja-JP" altLang="en-US" smtClean="0"/>
-              <a:t>2022/9/26</a:t>
+              <a:t>2022/10/3</a:t>
             </a:fld>
             <a:endParaRPr kumimoji="1" lang="ja-JP" altLang="en-US"/>
           </a:p>
@@ -1953,7 +1959,7 @@
           <a:p>
             <a:fld id="{C38B53D7-36BE-4F17-AFB3-4B1CD02DBC2A}" type="datetimeFigureOut">
               <a:rPr kumimoji="1" lang="ja-JP" altLang="en-US" smtClean="0"/>
-              <a:t>2022/9/26</a:t>
+              <a:t>2022/10/3</a:t>
             </a:fld>
             <a:endParaRPr kumimoji="1" lang="ja-JP" altLang="en-US"/>
           </a:p>
@@ -2048,7 +2054,7 @@
           <a:p>
             <a:fld id="{C38B53D7-36BE-4F17-AFB3-4B1CD02DBC2A}" type="datetimeFigureOut">
               <a:rPr kumimoji="1" lang="ja-JP" altLang="en-US" smtClean="0"/>
-              <a:t>2022/9/26</a:t>
+              <a:t>2022/10/3</a:t>
             </a:fld>
             <a:endParaRPr kumimoji="1" lang="ja-JP" altLang="en-US"/>
           </a:p>
@@ -2357,7 +2363,7 @@
           <a:p>
             <a:fld id="{C38B53D7-36BE-4F17-AFB3-4B1CD02DBC2A}" type="datetimeFigureOut">
               <a:rPr kumimoji="1" lang="ja-JP" altLang="en-US" smtClean="0"/>
-              <a:t>2022/9/26</a:t>
+              <a:t>2022/10/3</a:t>
             </a:fld>
             <a:endParaRPr kumimoji="1" lang="ja-JP" altLang="en-US"/>
           </a:p>
@@ -2610,7 +2616,7 @@
           <a:p>
             <a:fld id="{C38B53D7-36BE-4F17-AFB3-4B1CD02DBC2A}" type="datetimeFigureOut">
               <a:rPr kumimoji="1" lang="ja-JP" altLang="en-US" smtClean="0"/>
-              <a:t>2022/9/26</a:t>
+              <a:t>2022/10/3</a:t>
             </a:fld>
             <a:endParaRPr kumimoji="1" lang="ja-JP" altLang="en-US"/>
           </a:p>
@@ -2855,7 +2861,7 @@
           <a:p>
             <a:fld id="{C38B53D7-36BE-4F17-AFB3-4B1CD02DBC2A}" type="datetimeFigureOut">
               <a:rPr kumimoji="1" lang="ja-JP" altLang="en-US" smtClean="0"/>
-              <a:t>2022/9/26</a:t>
+              <a:t>2022/10/3</a:t>
             </a:fld>
             <a:endParaRPr kumimoji="1" lang="ja-JP" altLang="en-US"/>
           </a:p>
@@ -3342,6 +3348,133 @@
 </p:sld>
 </file>
 
+<file path=ppt/slides/slide10.xml><?xml version="1.0" encoding="utf-8"?>
+<p:sld xmlns:a="http://schemas.openxmlformats.org/drawingml/2006/main" xmlns:r="http://schemas.openxmlformats.org/officeDocument/2006/relationships" xmlns:p="http://schemas.openxmlformats.org/presentationml/2006/main">
+  <p:cSld>
+    <p:spTree>
+      <p:nvGrpSpPr>
+        <p:cNvPr id="1" name=""/>
+        <p:cNvGrpSpPr/>
+        <p:nvPr/>
+      </p:nvGrpSpPr>
+      <p:grpSpPr>
+        <a:xfrm>
+          <a:off x="0" y="0"/>
+          <a:ext cx="0" cy="0"/>
+          <a:chOff x="0" y="0"/>
+          <a:chExt cx="0" cy="0"/>
+        </a:xfrm>
+      </p:grpSpPr>
+      <p:sp>
+        <p:nvSpPr>
+          <p:cNvPr id="2" name="タイトル 1"/>
+          <p:cNvSpPr>
+            <a:spLocks noGrp="1"/>
+          </p:cNvSpPr>
+          <p:nvPr>
+            <p:ph type="title"/>
+          </p:nvPr>
+        </p:nvSpPr>
+        <p:spPr/>
+        <p:txBody>
+          <a:bodyPr/>
+          <a:lstStyle/>
+          <a:p>
+            <a:r>
+              <a:rPr kumimoji="1" lang="ja-JP" altLang="en-US" dirty="0" smtClean="0"/>
+              <a:t>絵１</a:t>
+            </a:r>
+            <a:endParaRPr kumimoji="1" lang="ja-JP" altLang="en-US" dirty="0"/>
+          </a:p>
+        </p:txBody>
+      </p:sp>
+      <p:sp>
+        <p:nvSpPr>
+          <p:cNvPr id="3" name="コンテンツ プレースホルダー 2"/>
+          <p:cNvSpPr>
+            <a:spLocks noGrp="1"/>
+          </p:cNvSpPr>
+          <p:nvPr>
+            <p:ph idx="1"/>
+          </p:nvPr>
+        </p:nvSpPr>
+        <p:spPr/>
+        <p:txBody>
+          <a:bodyPr/>
+          <a:lstStyle/>
+          <a:p>
+            <a:r>
+              <a:rPr lang="ja-JP" altLang="en-US" dirty="0" smtClean="0"/>
+              <a:t>プレイヤー</a:t>
+            </a:r>
+            <a:endParaRPr lang="en-US" altLang="ja-JP" dirty="0" smtClean="0"/>
+          </a:p>
+          <a:p>
+            <a:r>
+              <a:rPr kumimoji="1" lang="ja-JP" altLang="en-US" dirty="0" smtClean="0"/>
+              <a:t>エネミー</a:t>
+            </a:r>
+            <a:endParaRPr lang="en-US" altLang="ja-JP" dirty="0"/>
+          </a:p>
+          <a:p>
+            <a:r>
+              <a:rPr kumimoji="1" lang="ja-JP" altLang="en-US" dirty="0" smtClean="0"/>
+              <a:t>壁</a:t>
+            </a:r>
+            <a:endParaRPr kumimoji="1" lang="en-US" altLang="ja-JP" dirty="0" smtClean="0"/>
+          </a:p>
+          <a:p>
+            <a:r>
+              <a:rPr lang="ja-JP" altLang="en-US" dirty="0" smtClean="0"/>
+              <a:t>背景</a:t>
+            </a:r>
+            <a:endParaRPr lang="en-US" altLang="ja-JP" dirty="0" smtClean="0"/>
+          </a:p>
+        </p:txBody>
+      </p:sp>
+      <p:sp>
+        <p:nvSpPr>
+          <p:cNvPr id="4" name="テキスト ボックス 3"/>
+          <p:cNvSpPr txBox="1"/>
+          <p:nvPr/>
+        </p:nvSpPr>
+        <p:spPr>
+          <a:xfrm>
+            <a:off x="7447935" y="1002890"/>
+            <a:ext cx="2064775" cy="369332"/>
+          </a:xfrm>
+          <a:prstGeom prst="rect">
+            <a:avLst/>
+          </a:prstGeom>
+          <a:noFill/>
+        </p:spPr>
+        <p:txBody>
+          <a:bodyPr wrap="square" rtlCol="0">
+            <a:spAutoFit/>
+          </a:bodyPr>
+          <a:lstStyle/>
+          <a:p>
+            <a:r>
+              <a:rPr kumimoji="1" lang="ja-JP" altLang="en-US" dirty="0" smtClean="0"/>
+              <a:t>成島</a:t>
+            </a:r>
+            <a:endParaRPr kumimoji="1" lang="ja-JP" altLang="en-US" dirty="0"/>
+          </a:p>
+        </p:txBody>
+      </p:sp>
+    </p:spTree>
+    <p:extLst>
+      <p:ext uri="{BB962C8B-B14F-4D97-AF65-F5344CB8AC3E}">
+        <p14:creationId xmlns:p14="http://schemas.microsoft.com/office/powerpoint/2010/main" val="2792550371"/>
+      </p:ext>
+    </p:extLst>
+  </p:cSld>
+  <p:clrMapOvr>
+    <a:masterClrMapping/>
+  </p:clrMapOvr>
+</p:sld>
+</file>
+
 <file path=ppt/slides/slide2.xml><?xml version="1.0" encoding="utf-8"?>
 <p:sld xmlns:a="http://schemas.openxmlformats.org/drawingml/2006/main" xmlns:r="http://schemas.openxmlformats.org/officeDocument/2006/relationships" xmlns:p="http://schemas.openxmlformats.org/presentationml/2006/main">
   <p:cSld>
@@ -3864,6 +3997,36 @@
           </a:p>
         </p:txBody>
       </p:sp>
+      <p:sp>
+        <p:nvSpPr>
+          <p:cNvPr id="4" name="テキスト ボックス 3"/>
+          <p:cNvSpPr txBox="1"/>
+          <p:nvPr/>
+        </p:nvSpPr>
+        <p:spPr>
+          <a:xfrm>
+            <a:off x="7447935" y="1002890"/>
+            <a:ext cx="2064775" cy="369332"/>
+          </a:xfrm>
+          <a:prstGeom prst="rect">
+            <a:avLst/>
+          </a:prstGeom>
+          <a:noFill/>
+        </p:spPr>
+        <p:txBody>
+          <a:bodyPr wrap="square" rtlCol="0">
+            <a:spAutoFit/>
+          </a:bodyPr>
+          <a:lstStyle/>
+          <a:p>
+            <a:r>
+              <a:rPr kumimoji="1" lang="ja-JP" altLang="en-US" dirty="0" smtClean="0"/>
+              <a:t>森本</a:t>
+            </a:r>
+            <a:endParaRPr kumimoji="1" lang="ja-JP" altLang="en-US" dirty="0"/>
+          </a:p>
+        </p:txBody>
+      </p:sp>
     </p:spTree>
     <p:extLst>
       <p:ext uri="{BB962C8B-B14F-4D97-AF65-F5344CB8AC3E}">
@@ -3952,6 +4115,36 @@
           </a:p>
         </p:txBody>
       </p:sp>
+      <p:sp>
+        <p:nvSpPr>
+          <p:cNvPr id="4" name="テキスト ボックス 3"/>
+          <p:cNvSpPr txBox="1"/>
+          <p:nvPr/>
+        </p:nvSpPr>
+        <p:spPr>
+          <a:xfrm>
+            <a:off x="7447935" y="1002890"/>
+            <a:ext cx="2064775" cy="369332"/>
+          </a:xfrm>
+          <a:prstGeom prst="rect">
+            <a:avLst/>
+          </a:prstGeom>
+          <a:noFill/>
+        </p:spPr>
+        <p:txBody>
+          <a:bodyPr wrap="square" rtlCol="0">
+            <a:spAutoFit/>
+          </a:bodyPr>
+          <a:lstStyle/>
+          <a:p>
+            <a:r>
+              <a:rPr kumimoji="1" lang="ja-JP" altLang="en-US" dirty="0" smtClean="0"/>
+              <a:t>森本</a:t>
+            </a:r>
+            <a:endParaRPr kumimoji="1" lang="ja-JP" altLang="en-US" dirty="0"/>
+          </a:p>
+        </p:txBody>
+      </p:sp>
     </p:spTree>
     <p:extLst>
       <p:ext uri="{BB962C8B-B14F-4D97-AF65-F5344CB8AC3E}">
@@ -4049,6 +4242,36 @@
           </a:p>
         </p:txBody>
       </p:sp>
+      <p:sp>
+        <p:nvSpPr>
+          <p:cNvPr id="4" name="テキスト ボックス 3"/>
+          <p:cNvSpPr txBox="1"/>
+          <p:nvPr/>
+        </p:nvSpPr>
+        <p:spPr>
+          <a:xfrm>
+            <a:off x="7447935" y="1002890"/>
+            <a:ext cx="2064775" cy="369332"/>
+          </a:xfrm>
+          <a:prstGeom prst="rect">
+            <a:avLst/>
+          </a:prstGeom>
+          <a:noFill/>
+        </p:spPr>
+        <p:txBody>
+          <a:bodyPr wrap="square" rtlCol="0">
+            <a:spAutoFit/>
+          </a:bodyPr>
+          <a:lstStyle/>
+          <a:p>
+            <a:r>
+              <a:rPr kumimoji="1" lang="ja-JP" altLang="en-US" dirty="0" smtClean="0"/>
+              <a:t>森本</a:t>
+            </a:r>
+            <a:endParaRPr kumimoji="1" lang="ja-JP" altLang="en-US" dirty="0"/>
+          </a:p>
+        </p:txBody>
+      </p:sp>
     </p:spTree>
     <p:extLst>
       <p:ext uri="{BB962C8B-B14F-4D97-AF65-F5344CB8AC3E}">
@@ -4149,6 +4372,36 @@
           </a:p>
         </p:txBody>
       </p:sp>
+      <p:sp>
+        <p:nvSpPr>
+          <p:cNvPr id="4" name="テキスト ボックス 3"/>
+          <p:cNvSpPr txBox="1"/>
+          <p:nvPr/>
+        </p:nvSpPr>
+        <p:spPr>
+          <a:xfrm>
+            <a:off x="7447935" y="1002890"/>
+            <a:ext cx="2064775" cy="369332"/>
+          </a:xfrm>
+          <a:prstGeom prst="rect">
+            <a:avLst/>
+          </a:prstGeom>
+          <a:noFill/>
+        </p:spPr>
+        <p:txBody>
+          <a:bodyPr wrap="square" rtlCol="0">
+            <a:spAutoFit/>
+          </a:bodyPr>
+          <a:lstStyle/>
+          <a:p>
+            <a:r>
+              <a:rPr kumimoji="1" lang="ja-JP" altLang="en-US" dirty="0" smtClean="0"/>
+              <a:t>森本</a:t>
+            </a:r>
+            <a:endParaRPr kumimoji="1" lang="ja-JP" altLang="en-US" dirty="0"/>
+          </a:p>
+        </p:txBody>
+      </p:sp>
     </p:spTree>
     <p:extLst>
       <p:ext uri="{BB962C8B-B14F-4D97-AF65-F5344CB8AC3E}">
@@ -4196,45 +4449,65 @@
           <a:p>
             <a:r>
               <a:rPr kumimoji="1" lang="ja-JP" altLang="en-US" dirty="0" smtClean="0"/>
-              <a:t>タイトル</a:t>
-            </a:r>
+              <a:t>音楽</a:t>
+            </a:r>
+            <a:endParaRPr kumimoji="1" lang="ja-JP" altLang="en-US" dirty="0"/>
+          </a:p>
+        </p:txBody>
+      </p:sp>
+      <p:sp>
+        <p:nvSpPr>
+          <p:cNvPr id="3" name="コンテンツ プレースホルダー 2"/>
+          <p:cNvSpPr>
+            <a:spLocks noGrp="1"/>
+          </p:cNvSpPr>
+          <p:nvPr>
+            <p:ph idx="1"/>
+          </p:nvPr>
+        </p:nvSpPr>
+        <p:spPr/>
+        <p:txBody>
+          <a:bodyPr/>
+          <a:lstStyle/>
+          <a:p>
             <a:r>
               <a:rPr kumimoji="1" lang="en-US" altLang="ja-JP" dirty="0" smtClean="0"/>
-              <a:t>or</a:t>
-            </a:r>
-            <a:r>
-              <a:rPr kumimoji="1" lang="ja-JP" altLang="en-US" dirty="0" smtClean="0"/>
-              <a:t>メニュー</a:t>
-            </a:r>
-            <a:endParaRPr kumimoji="1" lang="ja-JP" altLang="en-US" dirty="0"/>
-          </a:p>
-        </p:txBody>
-      </p:sp>
-      <p:sp>
-        <p:nvSpPr>
-          <p:cNvPr id="3" name="コンテンツ プレースホルダー 2"/>
-          <p:cNvSpPr>
-            <a:spLocks noGrp="1"/>
-          </p:cNvSpPr>
-          <p:nvPr>
-            <p:ph idx="1"/>
-          </p:nvPr>
-        </p:nvSpPr>
-        <p:spPr/>
-        <p:txBody>
-          <a:bodyPr/>
-          <a:lstStyle/>
-          <a:p>
-            <a:r>
-              <a:rPr kumimoji="1" lang="ja-JP" altLang="en-US" dirty="0" smtClean="0"/>
-              <a:t>タイトル</a:t>
-            </a:r>
-            <a:endParaRPr kumimoji="1" lang="en-US" altLang="ja-JP" dirty="0" smtClean="0"/>
-          </a:p>
-          <a:p>
-            <a:r>
-              <a:rPr lang="ja-JP" altLang="en-US" dirty="0" smtClean="0"/>
-              <a:t>難易度選択</a:t>
+              <a:t>BGM</a:t>
+            </a:r>
+          </a:p>
+          <a:p>
+            <a:r>
+              <a:rPr lang="en-US" altLang="ja-JP" dirty="0" smtClean="0"/>
+              <a:t>SE</a:t>
+            </a:r>
+          </a:p>
+        </p:txBody>
+      </p:sp>
+      <p:sp>
+        <p:nvSpPr>
+          <p:cNvPr id="4" name="テキスト ボックス 3"/>
+          <p:cNvSpPr txBox="1"/>
+          <p:nvPr/>
+        </p:nvSpPr>
+        <p:spPr>
+          <a:xfrm>
+            <a:off x="7447935" y="1002890"/>
+            <a:ext cx="2064775" cy="369332"/>
+          </a:xfrm>
+          <a:prstGeom prst="rect">
+            <a:avLst/>
+          </a:prstGeom>
+          <a:noFill/>
+        </p:spPr>
+        <p:txBody>
+          <a:bodyPr wrap="square" rtlCol="0">
+            <a:spAutoFit/>
+          </a:bodyPr>
+          <a:lstStyle/>
+          <a:p>
+            <a:r>
+              <a:rPr lang="ja-JP" altLang="en-US" dirty="0"/>
+              <a:t>三好</a:t>
             </a:r>
             <a:endParaRPr kumimoji="1" lang="ja-JP" altLang="en-US" dirty="0"/>
           </a:p>
@@ -4243,7 +4516,7 @@
     </p:spTree>
     <p:extLst>
       <p:ext uri="{BB962C8B-B14F-4D97-AF65-F5344CB8AC3E}">
-        <p14:creationId xmlns:p14="http://schemas.microsoft.com/office/powerpoint/2010/main" val="1632661106"/>
+        <p14:creationId xmlns:p14="http://schemas.microsoft.com/office/powerpoint/2010/main" val="2020720523"/>
       </p:ext>
     </p:extLst>
   </p:cSld>
@@ -4287,7 +4560,7 @@
           <a:p>
             <a:r>
               <a:rPr kumimoji="1" lang="ja-JP" altLang="en-US" dirty="0" smtClean="0"/>
-              <a:t>音楽</a:t>
+              <a:t>絵２</a:t>
             </a:r>
             <a:endParaRPr kumimoji="1" lang="ja-JP" altLang="en-US" dirty="0"/>
           </a:p>
@@ -4309,22 +4582,71 @@
           <a:lstStyle/>
           <a:p>
             <a:r>
-              <a:rPr kumimoji="1" lang="en-US" altLang="ja-JP" dirty="0" smtClean="0"/>
-              <a:t>BGM</a:t>
-            </a:r>
-          </a:p>
-          <a:p>
-            <a:r>
-              <a:rPr lang="en-US" altLang="ja-JP" dirty="0" smtClean="0"/>
-              <a:t>SE</a:t>
-            </a:r>
+              <a:rPr lang="ja-JP" altLang="en-US" dirty="0"/>
+              <a:t>ブロック</a:t>
+            </a:r>
+            <a:endParaRPr lang="en-US" altLang="ja-JP" dirty="0"/>
+          </a:p>
+          <a:p>
+            <a:r>
+              <a:rPr lang="ja-JP" altLang="en-US" dirty="0"/>
+              <a:t>ゲージ</a:t>
+            </a:r>
+            <a:endParaRPr lang="en-US" altLang="ja-JP" dirty="0"/>
+          </a:p>
+          <a:p>
+            <a:r>
+              <a:rPr lang="ja-JP" altLang="en-US" dirty="0"/>
+              <a:t>矢印</a:t>
+            </a:r>
+            <a:endParaRPr lang="en-US" altLang="ja-JP" dirty="0"/>
+          </a:p>
+          <a:p>
+            <a:r>
+              <a:rPr lang="ja-JP" altLang="en-US" dirty="0"/>
+              <a:t>エフェクト</a:t>
+            </a:r>
+            <a:endParaRPr lang="en-US" altLang="ja-JP" dirty="0"/>
+          </a:p>
+          <a:p>
+            <a:endParaRPr kumimoji="1" lang="ja-JP" altLang="en-US" dirty="0"/>
+          </a:p>
+        </p:txBody>
+      </p:sp>
+      <p:sp>
+        <p:nvSpPr>
+          <p:cNvPr id="4" name="テキスト ボックス 3"/>
+          <p:cNvSpPr txBox="1"/>
+          <p:nvPr/>
+        </p:nvSpPr>
+        <p:spPr>
+          <a:xfrm>
+            <a:off x="7447935" y="1002890"/>
+            <a:ext cx="2064775" cy="369332"/>
+          </a:xfrm>
+          <a:prstGeom prst="rect">
+            <a:avLst/>
+          </a:prstGeom>
+          <a:noFill/>
+        </p:spPr>
+        <p:txBody>
+          <a:bodyPr wrap="square" rtlCol="0">
+            <a:spAutoFit/>
+          </a:bodyPr>
+          <a:lstStyle/>
+          <a:p>
+            <a:r>
+              <a:rPr lang="ja-JP" altLang="en-US" dirty="0"/>
+              <a:t>三好</a:t>
+            </a:r>
+            <a:endParaRPr kumimoji="1" lang="ja-JP" altLang="en-US" dirty="0"/>
           </a:p>
         </p:txBody>
       </p:sp>
     </p:spTree>
     <p:extLst>
       <p:ext uri="{BB962C8B-B14F-4D97-AF65-F5344CB8AC3E}">
-        <p14:creationId xmlns:p14="http://schemas.microsoft.com/office/powerpoint/2010/main" val="2020720523"/>
+        <p14:creationId xmlns:p14="http://schemas.microsoft.com/office/powerpoint/2010/main" val="79664391"/>
       </p:ext>
     </p:extLst>
   </p:cSld>
@@ -4361,14 +4683,27 @@
             <p:ph type="title"/>
           </p:nvPr>
         </p:nvSpPr>
-        <p:spPr/>
+        <p:spPr>
+          <a:xfrm>
+            <a:off x="838200" y="365125"/>
+            <a:ext cx="5415116" cy="1325563"/>
+          </a:xfrm>
+        </p:spPr>
         <p:txBody>
           <a:bodyPr/>
           <a:lstStyle/>
           <a:p>
             <a:r>
               <a:rPr kumimoji="1" lang="ja-JP" altLang="en-US" dirty="0" smtClean="0"/>
-              <a:t>キャラクター</a:t>
+              <a:t>タイトル</a:t>
+            </a:r>
+            <a:r>
+              <a:rPr kumimoji="1" lang="en-US" altLang="ja-JP" dirty="0" smtClean="0"/>
+              <a:t>or</a:t>
+            </a:r>
+            <a:r>
+              <a:rPr kumimoji="1" lang="ja-JP" altLang="en-US" dirty="0" smtClean="0"/>
+              <a:t>メニュー</a:t>
             </a:r>
             <a:endParaRPr kumimoji="1" lang="ja-JP" altLang="en-US" dirty="0"/>
           </a:p>
@@ -4390,66 +4725,54 @@
           <a:lstStyle/>
           <a:p>
             <a:r>
+              <a:rPr kumimoji="1" lang="ja-JP" altLang="en-US" dirty="0" smtClean="0"/>
+              <a:t>タイトル</a:t>
+            </a:r>
+            <a:endParaRPr kumimoji="1" lang="en-US" altLang="ja-JP" dirty="0" smtClean="0"/>
+          </a:p>
+          <a:p>
+            <a:r>
               <a:rPr lang="ja-JP" altLang="en-US" dirty="0" smtClean="0"/>
-              <a:t>プレイヤー</a:t>
-            </a:r>
-            <a:endParaRPr lang="en-US" altLang="ja-JP" dirty="0" smtClean="0"/>
-          </a:p>
+              <a:t>難易度選択</a:t>
+            </a:r>
+            <a:endParaRPr kumimoji="1" lang="ja-JP" altLang="en-US" dirty="0"/>
+          </a:p>
+        </p:txBody>
+      </p:sp>
+      <p:sp>
+        <p:nvSpPr>
+          <p:cNvPr id="4" name="テキスト ボックス 3"/>
+          <p:cNvSpPr txBox="1"/>
+          <p:nvPr/>
+        </p:nvSpPr>
+        <p:spPr>
+          <a:xfrm>
+            <a:off x="7447935" y="1002890"/>
+            <a:ext cx="2064775" cy="369332"/>
+          </a:xfrm>
+          <a:prstGeom prst="rect">
+            <a:avLst/>
+          </a:prstGeom>
+          <a:noFill/>
+        </p:spPr>
+        <p:txBody>
+          <a:bodyPr wrap="square" rtlCol="0">
+            <a:spAutoFit/>
+          </a:bodyPr>
+          <a:lstStyle/>
           <a:p>
             <a:r>
               <a:rPr kumimoji="1" lang="ja-JP" altLang="en-US" dirty="0" smtClean="0"/>
-              <a:t>エネミー</a:t>
-            </a:r>
-            <a:endParaRPr lang="en-US" altLang="ja-JP" dirty="0"/>
-          </a:p>
-          <a:p>
-            <a:r>
-              <a:rPr kumimoji="1" lang="ja-JP" altLang="en-US" dirty="0" smtClean="0"/>
-              <a:t>矢印</a:t>
-            </a:r>
-            <a:endParaRPr kumimoji="1" lang="en-US" altLang="ja-JP" dirty="0" smtClean="0"/>
-          </a:p>
-          <a:p>
-            <a:r>
-              <a:rPr lang="ja-JP" altLang="en-US" dirty="0" smtClean="0"/>
-              <a:t>エフェクト</a:t>
-            </a:r>
-            <a:endParaRPr lang="en-US" altLang="ja-JP" dirty="0" smtClean="0"/>
-          </a:p>
-          <a:p>
-            <a:r>
-              <a:rPr kumimoji="1" lang="ja-JP" altLang="en-US" dirty="0" smtClean="0"/>
-              <a:t>壁</a:t>
-            </a:r>
-            <a:endParaRPr kumimoji="1" lang="en-US" altLang="ja-JP" dirty="0" smtClean="0"/>
-          </a:p>
-          <a:p>
-            <a:r>
-              <a:rPr lang="ja-JP" altLang="en-US" dirty="0" smtClean="0"/>
-              <a:t>背景</a:t>
-            </a:r>
-            <a:endParaRPr lang="en-US" altLang="ja-JP" dirty="0" smtClean="0"/>
-          </a:p>
-          <a:p>
-            <a:r>
-              <a:rPr kumimoji="1" lang="ja-JP" altLang="en-US" dirty="0" smtClean="0"/>
-              <a:t>ブロック</a:t>
-            </a:r>
-            <a:endParaRPr kumimoji="1" lang="en-US" altLang="ja-JP" dirty="0" smtClean="0"/>
-          </a:p>
-          <a:p>
-            <a:r>
-              <a:rPr lang="ja-JP" altLang="en-US" dirty="0"/>
-              <a:t>ゲージ</a:t>
-            </a:r>
-            <a:endParaRPr kumimoji="1" lang="en-US" altLang="ja-JP" dirty="0" smtClean="0"/>
+              <a:t>成島</a:t>
+            </a:r>
+            <a:endParaRPr kumimoji="1" lang="ja-JP" altLang="en-US" dirty="0"/>
           </a:p>
         </p:txBody>
       </p:sp>
     </p:spTree>
     <p:extLst>
       <p:ext uri="{BB962C8B-B14F-4D97-AF65-F5344CB8AC3E}">
-        <p14:creationId xmlns:p14="http://schemas.microsoft.com/office/powerpoint/2010/main" val="2792550371"/>
+        <p14:creationId xmlns:p14="http://schemas.microsoft.com/office/powerpoint/2010/main" val="1632661106"/>
       </p:ext>
     </p:extLst>
   </p:cSld>

--- a/モンスト(仮)仕様書.pptx
+++ b/モンスト(仮)仕様書.pptx
@@ -9,12 +9,13 @@
     <p:sldId id="257" r:id="rId3"/>
     <p:sldId id="258" r:id="rId4"/>
     <p:sldId id="259" r:id="rId5"/>
-    <p:sldId id="260" r:id="rId6"/>
-    <p:sldId id="261" r:id="rId7"/>
-    <p:sldId id="263" r:id="rId8"/>
-    <p:sldId id="265" r:id="rId9"/>
+    <p:sldId id="261" r:id="rId6"/>
+    <p:sldId id="260" r:id="rId7"/>
+    <p:sldId id="266" r:id="rId8"/>
+    <p:sldId id="263" r:id="rId9"/>
     <p:sldId id="262" r:id="rId10"/>
     <p:sldId id="264" r:id="rId11"/>
+    <p:sldId id="265" r:id="rId12"/>
   </p:sldIdLst>
   <p:sldSz cx="12192000" cy="6858000"/>
   <p:notesSz cx="6858000" cy="9144000"/>
@@ -3418,13 +3419,6 @@
           </a:p>
           <a:p>
             <a:r>
-              <a:rPr kumimoji="1" lang="ja-JP" altLang="en-US" dirty="0" smtClean="0"/>
-              <a:t>壁</a:t>
-            </a:r>
-            <a:endParaRPr kumimoji="1" lang="en-US" altLang="ja-JP" dirty="0" smtClean="0"/>
-          </a:p>
-          <a:p>
-            <a:r>
               <a:rPr lang="ja-JP" altLang="en-US" dirty="0" smtClean="0"/>
               <a:t>背景</a:t>
             </a:r>
@@ -3466,6 +3460,143 @@
     <p:extLst>
       <p:ext uri="{BB962C8B-B14F-4D97-AF65-F5344CB8AC3E}">
         <p14:creationId xmlns:p14="http://schemas.microsoft.com/office/powerpoint/2010/main" val="2792550371"/>
+      </p:ext>
+    </p:extLst>
+  </p:cSld>
+  <p:clrMapOvr>
+    <a:masterClrMapping/>
+  </p:clrMapOvr>
+</p:sld>
+</file>
+
+<file path=ppt/slides/slide11.xml><?xml version="1.0" encoding="utf-8"?>
+<p:sld xmlns:a="http://schemas.openxmlformats.org/drawingml/2006/main" xmlns:r="http://schemas.openxmlformats.org/officeDocument/2006/relationships" xmlns:p="http://schemas.openxmlformats.org/presentationml/2006/main">
+  <p:cSld>
+    <p:spTree>
+      <p:nvGrpSpPr>
+        <p:cNvPr id="1" name=""/>
+        <p:cNvGrpSpPr/>
+        <p:nvPr/>
+      </p:nvGrpSpPr>
+      <p:grpSpPr>
+        <a:xfrm>
+          <a:off x="0" y="0"/>
+          <a:ext cx="0" cy="0"/>
+          <a:chOff x="0" y="0"/>
+          <a:chExt cx="0" cy="0"/>
+        </a:xfrm>
+      </p:grpSpPr>
+      <p:sp>
+        <p:nvSpPr>
+          <p:cNvPr id="2" name="タイトル 1"/>
+          <p:cNvSpPr>
+            <a:spLocks noGrp="1"/>
+          </p:cNvSpPr>
+          <p:nvPr>
+            <p:ph type="title"/>
+          </p:nvPr>
+        </p:nvSpPr>
+        <p:spPr/>
+        <p:txBody>
+          <a:bodyPr/>
+          <a:lstStyle/>
+          <a:p>
+            <a:r>
+              <a:rPr kumimoji="1" lang="ja-JP" altLang="en-US" dirty="0" smtClean="0"/>
+              <a:t>絵２</a:t>
+            </a:r>
+            <a:endParaRPr kumimoji="1" lang="ja-JP" altLang="en-US" dirty="0"/>
+          </a:p>
+        </p:txBody>
+      </p:sp>
+      <p:sp>
+        <p:nvSpPr>
+          <p:cNvPr id="3" name="コンテンツ プレースホルダー 2"/>
+          <p:cNvSpPr>
+            <a:spLocks noGrp="1"/>
+          </p:cNvSpPr>
+          <p:nvPr>
+            <p:ph idx="1"/>
+          </p:nvPr>
+        </p:nvSpPr>
+        <p:spPr/>
+        <p:txBody>
+          <a:bodyPr/>
+          <a:lstStyle/>
+          <a:p>
+            <a:r>
+              <a:rPr lang="ja-JP" altLang="en-US" dirty="0"/>
+              <a:t>ブロック</a:t>
+            </a:r>
+            <a:endParaRPr lang="en-US" altLang="ja-JP" dirty="0"/>
+          </a:p>
+          <a:p>
+            <a:r>
+              <a:rPr lang="ja-JP" altLang="en-US" dirty="0"/>
+              <a:t>ゲージ</a:t>
+            </a:r>
+            <a:endParaRPr lang="en-US" altLang="ja-JP" dirty="0"/>
+          </a:p>
+          <a:p>
+            <a:r>
+              <a:rPr lang="ja-JP" altLang="en-US" dirty="0"/>
+              <a:t>矢印</a:t>
+            </a:r>
+            <a:endParaRPr lang="en-US" altLang="ja-JP" dirty="0"/>
+          </a:p>
+          <a:p>
+            <a:r>
+              <a:rPr lang="ja-JP" altLang="en-US" dirty="0"/>
+              <a:t>エフェクト</a:t>
+            </a:r>
+            <a:endParaRPr lang="en-US" altLang="ja-JP" dirty="0"/>
+          </a:p>
+          <a:p>
+            <a:r>
+              <a:rPr lang="ja-JP" altLang="en-US" dirty="0"/>
+              <a:t>壁</a:t>
+            </a:r>
+            <a:endParaRPr lang="en-US" altLang="ja-JP" dirty="0"/>
+          </a:p>
+          <a:p>
+            <a:endParaRPr kumimoji="1" lang="ja-JP" altLang="en-US" dirty="0"/>
+          </a:p>
+        </p:txBody>
+      </p:sp>
+      <p:sp>
+        <p:nvSpPr>
+          <p:cNvPr id="4" name="テキスト ボックス 3"/>
+          <p:cNvSpPr txBox="1"/>
+          <p:nvPr/>
+        </p:nvSpPr>
+        <p:spPr>
+          <a:xfrm>
+            <a:off x="7447935" y="1002890"/>
+            <a:ext cx="2064775" cy="369332"/>
+          </a:xfrm>
+          <a:prstGeom prst="rect">
+            <a:avLst/>
+          </a:prstGeom>
+          <a:noFill/>
+        </p:spPr>
+        <p:txBody>
+          <a:bodyPr wrap="square" rtlCol="0">
+            <a:spAutoFit/>
+          </a:bodyPr>
+          <a:lstStyle/>
+          <a:p>
+            <a:r>
+              <a:rPr lang="ja-JP" altLang="en-US" dirty="0"/>
+              <a:t>三好</a:t>
+            </a:r>
+            <a:endParaRPr kumimoji="1" lang="ja-JP" altLang="en-US" dirty="0"/>
+          </a:p>
+        </p:txBody>
+      </p:sp>
+    </p:spTree>
+    <p:extLst>
+      <p:ext uri="{BB962C8B-B14F-4D97-AF65-F5344CB8AC3E}">
+        <p14:creationId xmlns:p14="http://schemas.microsoft.com/office/powerpoint/2010/main" val="79664391"/>
       </p:ext>
     </p:extLst>
   </p:cSld>
@@ -3995,6 +4126,20 @@
               <a:t>)</a:t>
             </a:r>
           </a:p>
+          <a:p>
+            <a:r>
+              <a:rPr lang="ja-JP" altLang="en-US" dirty="0"/>
+              <a:t>友情</a:t>
+            </a:r>
+            <a:r>
+              <a:rPr lang="ja-JP" altLang="en-US" dirty="0" smtClean="0"/>
+              <a:t>コンボ</a:t>
+            </a:r>
+            <a:endParaRPr lang="en-US" altLang="ja-JP" dirty="0" smtClean="0"/>
+          </a:p>
+          <a:p>
+            <a:endParaRPr lang="en-US" altLang="ja-JP" dirty="0" smtClean="0"/>
+          </a:p>
         </p:txBody>
       </p:sp>
       <p:sp>
@@ -4108,6 +4253,16 @@
             <a:endParaRPr lang="en-US" altLang="ja-JP" dirty="0" smtClean="0"/>
           </a:p>
           <a:p>
+            <a:r>
+              <a:rPr lang="ja-JP" altLang="en-US" dirty="0" smtClean="0"/>
+              <a:t>カウント</a:t>
+            </a:r>
+            <a:endParaRPr lang="en-US" altLang="ja-JP" dirty="0" smtClean="0"/>
+          </a:p>
+          <a:p>
+            <a:endParaRPr lang="en-US" altLang="ja-JP" dirty="0" smtClean="0"/>
+          </a:p>
+          <a:p>
             <a:endParaRPr lang="en-US" altLang="ja-JP" dirty="0"/>
           </a:p>
           <a:p>
@@ -4192,7 +4347,7 @@
           <a:p>
             <a:r>
               <a:rPr kumimoji="1" lang="ja-JP" altLang="en-US" dirty="0" smtClean="0"/>
-              <a:t>マップ</a:t>
+              <a:t>ゲーム</a:t>
             </a:r>
             <a:endParaRPr kumimoji="1" lang="ja-JP" altLang="en-US" dirty="0"/>
           </a:p>
@@ -4214,31 +4369,34 @@
           <a:lstStyle/>
           <a:p>
             <a:r>
+              <a:rPr kumimoji="1" lang="ja-JP" altLang="en-US" dirty="0" smtClean="0"/>
+              <a:t>ターン数</a:t>
+            </a:r>
+            <a:endParaRPr kumimoji="1" lang="en-US" altLang="ja-JP" dirty="0" smtClean="0"/>
+          </a:p>
+          <a:p>
+            <a:r>
+              <a:rPr kumimoji="1" lang="ja-JP" altLang="en-US" dirty="0" smtClean="0"/>
+              <a:t>ゲージ</a:t>
+            </a:r>
+            <a:endParaRPr kumimoji="1" lang="en-US" altLang="ja-JP" dirty="0" smtClean="0"/>
+          </a:p>
+          <a:p>
+            <a:r>
               <a:rPr lang="ja-JP" altLang="en-US" dirty="0" smtClean="0"/>
-              <a:t>壁</a:t>
+              <a:t>クリア、ゲームオーバー</a:t>
             </a:r>
             <a:endParaRPr lang="en-US" altLang="ja-JP" dirty="0" smtClean="0"/>
           </a:p>
           <a:p>
             <a:r>
-              <a:rPr lang="ja-JP" altLang="en-US" dirty="0" smtClean="0"/>
-              <a:t>ブロック</a:t>
-            </a:r>
-            <a:endParaRPr lang="en-US" altLang="ja-JP" dirty="0"/>
-          </a:p>
-          <a:p>
-            <a:r>
-              <a:rPr lang="ja-JP" altLang="en-US" dirty="0" smtClean="0"/>
-              <a:t>背景</a:t>
-            </a:r>
-            <a:endParaRPr lang="en-US" altLang="ja-JP" dirty="0" smtClean="0"/>
-          </a:p>
-          <a:p>
-            <a:r>
-              <a:rPr lang="ja-JP" altLang="en-US" dirty="0"/>
-              <a:t>壁判定</a:t>
-            </a:r>
-            <a:endParaRPr lang="en-US" altLang="ja-JP" dirty="0" smtClean="0"/>
+              <a:rPr kumimoji="1" lang="ja-JP" altLang="en-US" dirty="0" smtClean="0"/>
+              <a:t>マップ切替</a:t>
+            </a:r>
+            <a:endParaRPr kumimoji="1" lang="en-US" altLang="ja-JP" dirty="0" smtClean="0"/>
+          </a:p>
+          <a:p>
+            <a:endParaRPr kumimoji="1" lang="ja-JP" altLang="en-US" dirty="0"/>
           </a:p>
         </p:txBody>
       </p:sp>
@@ -4275,7 +4433,7 @@
     </p:spTree>
     <p:extLst>
       <p:ext uri="{BB962C8B-B14F-4D97-AF65-F5344CB8AC3E}">
-        <p14:creationId xmlns:p14="http://schemas.microsoft.com/office/powerpoint/2010/main" val="694892860"/>
+        <p14:creationId xmlns:p14="http://schemas.microsoft.com/office/powerpoint/2010/main" val="1776675995"/>
       </p:ext>
     </p:extLst>
   </p:cSld>
@@ -4319,7 +4477,7 @@
           <a:p>
             <a:r>
               <a:rPr kumimoji="1" lang="ja-JP" altLang="en-US" dirty="0" smtClean="0"/>
-              <a:t>ゲーム</a:t>
+              <a:t>マップ</a:t>
             </a:r>
             <a:endParaRPr kumimoji="1" lang="ja-JP" altLang="en-US" dirty="0"/>
           </a:p>
@@ -4341,34 +4499,31 @@
           <a:lstStyle/>
           <a:p>
             <a:r>
-              <a:rPr kumimoji="1" lang="ja-JP" altLang="en-US" dirty="0" smtClean="0"/>
-              <a:t>ターン数</a:t>
-            </a:r>
-            <a:endParaRPr kumimoji="1" lang="en-US" altLang="ja-JP" dirty="0" smtClean="0"/>
-          </a:p>
-          <a:p>
-            <a:r>
-              <a:rPr kumimoji="1" lang="ja-JP" altLang="en-US" dirty="0" smtClean="0"/>
-              <a:t>ゲージ</a:t>
-            </a:r>
-            <a:endParaRPr kumimoji="1" lang="en-US" altLang="ja-JP" dirty="0" smtClean="0"/>
-          </a:p>
-          <a:p>
-            <a:r>
               <a:rPr lang="ja-JP" altLang="en-US" dirty="0" smtClean="0"/>
-              <a:t>クリア、ゲームオーバー</a:t>
+              <a:t>壁</a:t>
             </a:r>
             <a:endParaRPr lang="en-US" altLang="ja-JP" dirty="0" smtClean="0"/>
           </a:p>
           <a:p>
             <a:r>
-              <a:rPr kumimoji="1" lang="ja-JP" altLang="en-US" dirty="0" smtClean="0"/>
-              <a:t>マップ切替</a:t>
-            </a:r>
-            <a:endParaRPr kumimoji="1" lang="en-US" altLang="ja-JP" dirty="0" smtClean="0"/>
-          </a:p>
-          <a:p>
-            <a:endParaRPr kumimoji="1" lang="ja-JP" altLang="en-US" dirty="0"/>
+              <a:rPr lang="ja-JP" altLang="en-US" dirty="0" smtClean="0"/>
+              <a:t>ブロック</a:t>
+            </a:r>
+            <a:endParaRPr lang="en-US" altLang="ja-JP" dirty="0"/>
+          </a:p>
+          <a:p>
+            <a:r>
+              <a:rPr lang="ja-JP" altLang="en-US" dirty="0" smtClean="0"/>
+              <a:t>背景</a:t>
+            </a:r>
+            <a:endParaRPr lang="en-US" altLang="ja-JP" dirty="0" smtClean="0"/>
+          </a:p>
+          <a:p>
+            <a:r>
+              <a:rPr lang="ja-JP" altLang="en-US" dirty="0"/>
+              <a:t>壁判定</a:t>
+            </a:r>
+            <a:endParaRPr lang="en-US" altLang="ja-JP" dirty="0" smtClean="0"/>
           </a:p>
         </p:txBody>
       </p:sp>
@@ -4405,7 +4560,7 @@
     </p:spTree>
     <p:extLst>
       <p:ext uri="{BB962C8B-B14F-4D97-AF65-F5344CB8AC3E}">
-        <p14:creationId xmlns:p14="http://schemas.microsoft.com/office/powerpoint/2010/main" val="1776675995"/>
+        <p14:creationId xmlns:p14="http://schemas.microsoft.com/office/powerpoint/2010/main" val="694892860"/>
       </p:ext>
     </p:extLst>
   </p:cSld>
@@ -4449,7 +4604,7 @@
           <a:p>
             <a:r>
               <a:rPr kumimoji="1" lang="ja-JP" altLang="en-US" dirty="0" smtClean="0"/>
-              <a:t>音楽</a:t>
+              <a:t>配置</a:t>
             </a:r>
             <a:endParaRPr kumimoji="1" lang="ja-JP" altLang="en-US" dirty="0"/>
           </a:p>
@@ -4471,21 +4626,33 @@
           <a:lstStyle/>
           <a:p>
             <a:r>
-              <a:rPr kumimoji="1" lang="en-US" altLang="ja-JP" dirty="0" smtClean="0"/>
-              <a:t>BGM</a:t>
-            </a:r>
-          </a:p>
-          <a:p>
-            <a:r>
-              <a:rPr lang="en-US" altLang="ja-JP" dirty="0" smtClean="0"/>
-              <a:t>SE</a:t>
-            </a:r>
-          </a:p>
-        </p:txBody>
-      </p:sp>
-      <p:sp>
-        <p:nvSpPr>
-          <p:cNvPr id="4" name="テキスト ボックス 3"/>
+              <a:rPr kumimoji="1" lang="ja-JP" altLang="en-US" dirty="0" smtClean="0"/>
+              <a:t>敵の配置</a:t>
+            </a:r>
+            <a:endParaRPr kumimoji="1" lang="en-US" altLang="ja-JP" dirty="0" smtClean="0"/>
+          </a:p>
+          <a:p>
+            <a:r>
+              <a:rPr lang="ja-JP" altLang="en-US" dirty="0"/>
+              <a:t>壁の</a:t>
+            </a:r>
+            <a:r>
+              <a:rPr lang="ja-JP" altLang="en-US" dirty="0" smtClean="0"/>
+              <a:t>配置</a:t>
+            </a:r>
+            <a:endParaRPr lang="en-US" altLang="ja-JP" dirty="0" smtClean="0"/>
+          </a:p>
+          <a:p>
+            <a:r>
+              <a:rPr kumimoji="1" lang="ja-JP" altLang="en-US" dirty="0"/>
+              <a:t>ブロック</a:t>
+            </a:r>
+          </a:p>
+        </p:txBody>
+      </p:sp>
+      <p:sp>
+        <p:nvSpPr>
+          <p:cNvPr id="5" name="テキスト ボックス 4"/>
           <p:cNvSpPr txBox="1"/>
           <p:nvPr/>
         </p:nvSpPr>
@@ -4506,8 +4673,8 @@
           <a:lstStyle/>
           <a:p>
             <a:r>
-              <a:rPr lang="ja-JP" altLang="en-US" dirty="0"/>
-              <a:t>三好</a:t>
+              <a:rPr kumimoji="1" lang="ja-JP" altLang="en-US" dirty="0" smtClean="0"/>
+              <a:t>成島・三好・森本</a:t>
             </a:r>
             <a:endParaRPr kumimoji="1" lang="ja-JP" altLang="en-US" dirty="0"/>
           </a:p>
@@ -4516,7 +4683,7 @@
     </p:spTree>
     <p:extLst>
       <p:ext uri="{BB962C8B-B14F-4D97-AF65-F5344CB8AC3E}">
-        <p14:creationId xmlns:p14="http://schemas.microsoft.com/office/powerpoint/2010/main" val="2020720523"/>
+        <p14:creationId xmlns:p14="http://schemas.microsoft.com/office/powerpoint/2010/main" val="442451726"/>
       </p:ext>
     </p:extLst>
   </p:cSld>
@@ -4560,7 +4727,7 @@
           <a:p>
             <a:r>
               <a:rPr kumimoji="1" lang="ja-JP" altLang="en-US" dirty="0" smtClean="0"/>
-              <a:t>絵２</a:t>
+              <a:t>音楽</a:t>
             </a:r>
             <a:endParaRPr kumimoji="1" lang="ja-JP" altLang="en-US" dirty="0"/>
           </a:p>
@@ -4582,34 +4749,15 @@
           <a:lstStyle/>
           <a:p>
             <a:r>
-              <a:rPr lang="ja-JP" altLang="en-US" dirty="0"/>
-              <a:t>ブロック</a:t>
-            </a:r>
-            <a:endParaRPr lang="en-US" altLang="ja-JP" dirty="0"/>
-          </a:p>
-          <a:p>
-            <a:r>
-              <a:rPr lang="ja-JP" altLang="en-US" dirty="0"/>
-              <a:t>ゲージ</a:t>
-            </a:r>
-            <a:endParaRPr lang="en-US" altLang="ja-JP" dirty="0"/>
-          </a:p>
-          <a:p>
-            <a:r>
-              <a:rPr lang="ja-JP" altLang="en-US" dirty="0"/>
-              <a:t>矢印</a:t>
-            </a:r>
-            <a:endParaRPr lang="en-US" altLang="ja-JP" dirty="0"/>
-          </a:p>
-          <a:p>
-            <a:r>
-              <a:rPr lang="ja-JP" altLang="en-US" dirty="0"/>
-              <a:t>エフェクト</a:t>
-            </a:r>
-            <a:endParaRPr lang="en-US" altLang="ja-JP" dirty="0"/>
-          </a:p>
-          <a:p>
-            <a:endParaRPr kumimoji="1" lang="ja-JP" altLang="en-US" dirty="0"/>
+              <a:rPr kumimoji="1" lang="en-US" altLang="ja-JP" dirty="0" smtClean="0"/>
+              <a:t>BGM</a:t>
+            </a:r>
+          </a:p>
+          <a:p>
+            <a:r>
+              <a:rPr lang="en-US" altLang="ja-JP" dirty="0" smtClean="0"/>
+              <a:t>SE</a:t>
+            </a:r>
           </a:p>
         </p:txBody>
       </p:sp>
@@ -4646,7 +4794,7 @@
     </p:spTree>
     <p:extLst>
       <p:ext uri="{BB962C8B-B14F-4D97-AF65-F5344CB8AC3E}">
-        <p14:creationId xmlns:p14="http://schemas.microsoft.com/office/powerpoint/2010/main" val="79664391"/>
+        <p14:creationId xmlns:p14="http://schemas.microsoft.com/office/powerpoint/2010/main" val="2020720523"/>
       </p:ext>
     </p:extLst>
   </p:cSld>
